--- a/Конспект за Олимпиада ИТ.pptx
+++ b/Конспект за Олимпиада ИТ.pptx
@@ -10,6 +10,7 @@
     <p:sldId id="258" r:id="rId4"/>
     <p:sldId id="259" r:id="rId5"/>
     <p:sldId id="260" r:id="rId6"/>
+    <p:sldId id="261" r:id="rId7"/>
   </p:sldIdLst>
   <p:sldSz cx="12192000" cy="6858000"/>
   <p:notesSz cx="6858000" cy="9144000"/>
@@ -108,6 +109,11 @@
       </a:defRPr>
     </a:lvl9pPr>
   </p:defaultTextStyle>
+  <p:extLst>
+    <p:ext uri="{EFAFB233-063F-42B5-8137-9DF3F51BA10A}">
+      <p15:sldGuideLst xmlns:p15="http://schemas.microsoft.com/office/powerpoint/2012/main"/>
+    </p:ext>
+  </p:extLst>
 </p:presentation>
 </file>
 
@@ -6506,6 +6512,78 @@
 </p:sld>
 </file>
 
+<file path=ppt/slides/slide6.xml><?xml version="1.0" encoding="utf-8"?>
+<p:sld xmlns:a="http://schemas.openxmlformats.org/drawingml/2006/main" xmlns:r="http://schemas.openxmlformats.org/officeDocument/2006/relationships" xmlns:p="http://schemas.openxmlformats.org/presentationml/2006/main">
+  <p:cSld>
+    <p:spTree>
+      <p:nvGrpSpPr>
+        <p:cNvPr id="1" name=""/>
+        <p:cNvGrpSpPr/>
+        <p:nvPr/>
+      </p:nvGrpSpPr>
+      <p:grpSpPr>
+        <a:xfrm>
+          <a:off x="0" y="0"/>
+          <a:ext cx="0" cy="0"/>
+          <a:chOff x="0" y="0"/>
+          <a:chExt cx="0" cy="0"/>
+        </a:xfrm>
+      </p:grpSpPr>
+      <p:sp>
+        <p:nvSpPr>
+          <p:cNvPr id="2" name="Title 1"/>
+          <p:cNvSpPr>
+            <a:spLocks noGrp="1"/>
+          </p:cNvSpPr>
+          <p:nvPr>
+            <p:ph type="title"/>
+          </p:nvPr>
+        </p:nvSpPr>
+        <p:spPr/>
+        <p:txBody>
+          <a:bodyPr/>
+          <a:lstStyle/>
+          <a:p>
+            <a:r>
+              <a:rPr lang="bg-BG" dirty="0" smtClean="0"/>
+              <a:t>Процесор		</a:t>
+            </a:r>
+            <a:endParaRPr lang="en-US" dirty="0"/>
+          </a:p>
+        </p:txBody>
+      </p:sp>
+      <p:sp>
+        <p:nvSpPr>
+          <p:cNvPr id="3" name="Content Placeholder 2"/>
+          <p:cNvSpPr>
+            <a:spLocks noGrp="1"/>
+          </p:cNvSpPr>
+          <p:nvPr>
+            <p:ph idx="1"/>
+          </p:nvPr>
+        </p:nvSpPr>
+        <p:spPr/>
+        <p:txBody>
+          <a:bodyPr/>
+          <a:lstStyle/>
+          <a:p>
+            <a:endParaRPr lang="en-US" dirty="0"/>
+          </a:p>
+        </p:txBody>
+      </p:sp>
+    </p:spTree>
+    <p:extLst>
+      <p:ext uri="{BB962C8B-B14F-4D97-AF65-F5344CB8AC3E}">
+        <p14:creationId xmlns:p14="http://schemas.microsoft.com/office/powerpoint/2010/main" val="2918544652"/>
+      </p:ext>
+    </p:extLst>
+  </p:cSld>
+  <p:clrMapOvr>
+    <a:masterClrMapping/>
+  </p:clrMapOvr>
+</p:sld>
+</file>
+
 <file path=ppt/theme/theme1.xml><?xml version="1.0" encoding="utf-8"?>
 <a:theme xmlns:a="http://schemas.openxmlformats.org/drawingml/2006/main" name="Ion">
   <a:themeElements>

--- a/Конспект за Олимпиада ИТ.pptx
+++ b/Конспект за Олимпиада ИТ.pptx
@@ -6567,6 +6567,37 @@
           <a:bodyPr/>
           <a:lstStyle/>
           <a:p>
+            <a:r>
+              <a:rPr lang="en-US" dirty="0" err="1" smtClean="0"/>
+              <a:t>Procesora</a:t>
+            </a:r>
+            <a:r>
+              <a:rPr lang="en-US" dirty="0" smtClean="0"/>
+              <a:t> </a:t>
+            </a:r>
+            <a:r>
+              <a:rPr lang="en-US" dirty="0" err="1" smtClean="0"/>
+              <a:t>sluji</a:t>
+            </a:r>
+            <a:r>
+              <a:rPr lang="en-US" dirty="0" smtClean="0"/>
+              <a:t> </a:t>
+            </a:r>
+            <a:r>
+              <a:rPr lang="en-US" dirty="0" err="1" smtClean="0"/>
+              <a:t>za</a:t>
+            </a:r>
+            <a:r>
+              <a:rPr lang="en-US" dirty="0" smtClean="0"/>
+              <a:t> </a:t>
+            </a:r>
+            <a:endParaRPr lang="en-US" dirty="0" smtClean="0"/>
+          </a:p>
+          <a:p>
+            <a:r>
+              <a:rPr lang="en-US" smtClean="0"/>
+              <a:t>asdfasdf</a:t>
+            </a:r>
             <a:endParaRPr lang="en-US" dirty="0"/>
           </a:p>
         </p:txBody>

--- a/Конспект за Олимпиада ИТ.pptx
+++ b/Конспект за Олимпиада ИТ.pptx
@@ -6591,12 +6591,11 @@
               <a:rPr lang="en-US" dirty="0" smtClean="0"/>
               <a:t> </a:t>
             </a:r>
-            <a:endParaRPr lang="en-US" dirty="0" smtClean="0"/>
-          </a:p>
-          <a:p>
-            <a:r>
-              <a:rPr lang="en-US" smtClean="0"/>
-              <a:t>asdfasdf</a:t>
+          </a:p>
+          <a:p>
+            <a:r>
+              <a:rPr lang="en-US" dirty="0" err="1" smtClean="0"/>
+              <a:t>asdfa</a:t>
             </a:r>
             <a:endParaRPr lang="en-US" dirty="0"/>
           </a:p>

--- a/Конспект за Олимпиада ИТ.pptx
+++ b/Конспект за Олимпиада ИТ.pptx
@@ -315,7 +315,7 @@
           <a:p>
             <a:fld id="{4AAD347D-5ACD-4C99-B74B-A9C85AD731AF}" type="datetimeFigureOut">
               <a:rPr lang="en-US" dirty="0"/>
-              <a:t>3/25/2019</a:t>
+              <a:t>3/26/2019</a:t>
             </a:fld>
             <a:endParaRPr lang="en-US" dirty="0"/>
           </a:p>
@@ -585,7 +585,7 @@
           <a:p>
             <a:fld id="{4509A250-FF31-4206-8172-F9D3106AACB1}" type="datetimeFigureOut">
               <a:rPr lang="en-US" dirty="0"/>
-              <a:t>3/25/2019</a:t>
+              <a:t>3/26/2019</a:t>
             </a:fld>
             <a:endParaRPr lang="en-US" dirty="0"/>
           </a:p>
@@ -774,7 +774,7 @@
           <a:p>
             <a:fld id="{4509A250-FF31-4206-8172-F9D3106AACB1}" type="datetimeFigureOut">
               <a:rPr lang="en-US" dirty="0"/>
-              <a:t>3/25/2019</a:t>
+              <a:t>3/26/2019</a:t>
             </a:fld>
             <a:endParaRPr lang="en-US" dirty="0"/>
           </a:p>
@@ -1042,7 +1042,7 @@
           <a:p>
             <a:fld id="{4509A250-FF31-4206-8172-F9D3106AACB1}" type="datetimeFigureOut">
               <a:rPr lang="en-US" dirty="0"/>
-              <a:t>3/25/2019</a:t>
+              <a:t>3/26/2019</a:t>
             </a:fld>
             <a:endParaRPr lang="en-US" dirty="0"/>
           </a:p>
@@ -1378,7 +1378,7 @@
           <a:p>
             <a:fld id="{4509A250-FF31-4206-8172-F9D3106AACB1}" type="datetimeFigureOut">
               <a:rPr lang="en-US" dirty="0"/>
-              <a:t>3/25/2019</a:t>
+              <a:t>3/26/2019</a:t>
             </a:fld>
             <a:endParaRPr lang="en-US" dirty="0"/>
           </a:p>
@@ -1996,7 +1996,7 @@
           <a:p>
             <a:fld id="{4509A250-FF31-4206-8172-F9D3106AACB1}" type="datetimeFigureOut">
               <a:rPr lang="en-US" dirty="0"/>
-              <a:t>3/25/2019</a:t>
+              <a:t>3/26/2019</a:t>
             </a:fld>
             <a:endParaRPr lang="en-US" dirty="0"/>
           </a:p>
@@ -2851,7 +2851,7 @@
           <a:p>
             <a:fld id="{4509A250-FF31-4206-8172-F9D3106AACB1}" type="datetimeFigureOut">
               <a:rPr lang="en-US" dirty="0"/>
-              <a:t>3/25/2019</a:t>
+              <a:t>3/26/2019</a:t>
             </a:fld>
             <a:endParaRPr lang="en-US" dirty="0"/>
           </a:p>
@@ -3016,7 +3016,7 @@
           <a:p>
             <a:fld id="{4509A250-FF31-4206-8172-F9D3106AACB1}" type="datetimeFigureOut">
               <a:rPr lang="en-US" dirty="0"/>
-              <a:t>3/25/2019</a:t>
+              <a:t>3/26/2019</a:t>
             </a:fld>
             <a:endParaRPr lang="en-US" dirty="0"/>
           </a:p>
@@ -3191,7 +3191,7 @@
           <a:p>
             <a:fld id="{4509A250-FF31-4206-8172-F9D3106AACB1}" type="datetimeFigureOut">
               <a:rPr lang="en-US" dirty="0"/>
-              <a:t>3/25/2019</a:t>
+              <a:t>3/26/2019</a:t>
             </a:fld>
             <a:endParaRPr lang="en-US" dirty="0"/>
           </a:p>
@@ -3356,7 +3356,7 @@
           <a:p>
             <a:fld id="{4509A250-FF31-4206-8172-F9D3106AACB1}" type="datetimeFigureOut">
               <a:rPr lang="en-US" dirty="0"/>
-              <a:t>3/25/2019</a:t>
+              <a:t>3/26/2019</a:t>
             </a:fld>
             <a:endParaRPr lang="en-US" dirty="0"/>
           </a:p>
@@ -3598,7 +3598,7 @@
           <a:p>
             <a:fld id="{9796027F-7875-4030-9381-8BD8C4F21935}" type="datetimeFigureOut">
               <a:rPr lang="en-US" dirty="0"/>
-              <a:t>3/25/2019</a:t>
+              <a:t>3/26/2019</a:t>
             </a:fld>
             <a:endParaRPr lang="en-US" dirty="0"/>
           </a:p>
@@ -3885,7 +3885,7 @@
           <a:p>
             <a:fld id="{9796027F-7875-4030-9381-8BD8C4F21935}" type="datetimeFigureOut">
               <a:rPr lang="en-US" dirty="0"/>
-              <a:t>3/25/2019</a:t>
+              <a:t>3/26/2019</a:t>
             </a:fld>
             <a:endParaRPr lang="en-US" dirty="0"/>
           </a:p>
@@ -4324,7 +4324,7 @@
           <a:p>
             <a:fld id="{9796027F-7875-4030-9381-8BD8C4F21935}" type="datetimeFigureOut">
               <a:rPr lang="en-US" dirty="0"/>
-              <a:t>3/25/2019</a:t>
+              <a:t>3/26/2019</a:t>
             </a:fld>
             <a:endParaRPr lang="en-US" dirty="0"/>
           </a:p>
@@ -4437,7 +4437,7 @@
           <a:p>
             <a:fld id="{4509A250-FF31-4206-8172-F9D3106AACB1}" type="datetimeFigureOut">
               <a:rPr lang="en-US" dirty="0"/>
-              <a:t>3/25/2019</a:t>
+              <a:t>3/26/2019</a:t>
             </a:fld>
             <a:endParaRPr lang="en-US" dirty="0"/>
           </a:p>
@@ -4527,7 +4527,7 @@
           <a:p>
             <a:fld id="{4509A250-FF31-4206-8172-F9D3106AACB1}" type="datetimeFigureOut">
               <a:rPr lang="en-US" dirty="0"/>
-              <a:t>3/25/2019</a:t>
+              <a:t>3/26/2019</a:t>
             </a:fld>
             <a:endParaRPr lang="en-US" dirty="0"/>
           </a:p>
@@ -4801,7 +4801,7 @@
           <a:p>
             <a:fld id="{4509A250-FF31-4206-8172-F9D3106AACB1}" type="datetimeFigureOut">
               <a:rPr lang="en-US" dirty="0"/>
-              <a:t>3/25/2019</a:t>
+              <a:t>3/26/2019</a:t>
             </a:fld>
             <a:endParaRPr lang="en-US" dirty="0"/>
           </a:p>
@@ -5071,7 +5071,7 @@
           <a:p>
             <a:fld id="{4509A250-FF31-4206-8172-F9D3106AACB1}" type="datetimeFigureOut">
               <a:rPr lang="en-US" dirty="0"/>
-              <a:t>3/25/2019</a:t>
+              <a:t>3/26/2019</a:t>
             </a:fld>
             <a:endParaRPr lang="en-US" dirty="0"/>
           </a:p>
@@ -5495,7 +5495,7 @@
           <a:p>
             <a:fld id="{4AAD347D-5ACD-4C99-B74B-A9C85AD731AF}" type="datetimeFigureOut">
               <a:rPr lang="en-US" dirty="0"/>
-              <a:t>3/25/2019</a:t>
+              <a:t>3/26/2019</a:t>
             </a:fld>
             <a:endParaRPr lang="en-US" dirty="0"/>
           </a:p>
@@ -6567,40 +6567,144 @@
           <a:bodyPr/>
           <a:lstStyle/>
           <a:p>
-            <a:r>
-              <a:rPr lang="en-US" dirty="0" err="1" smtClean="0"/>
-              <a:t>Procesora</a:t>
+            <a:pPr>
+              <a:buFont typeface="Wingdings" panose="05000000000000000000" pitchFamily="2" charset="2"/>
+              <a:buChar char="Ø"/>
+            </a:pPr>
+            <a:r>
+              <a:rPr lang="bg-BG" dirty="0" smtClean="0"/>
+              <a:t>Състой се от главно от ядро и кеш памет.</a:t>
+            </a:r>
+          </a:p>
+          <a:p>
+            <a:pPr>
+              <a:buFont typeface="Wingdings" panose="05000000000000000000" pitchFamily="2" charset="2"/>
+              <a:buChar char="Ø"/>
+            </a:pPr>
+            <a:r>
+              <a:rPr lang="bg-BG" dirty="0" smtClean="0"/>
+              <a:t>Изпълнявва инструкциии и използва данни.</a:t>
+            </a:r>
+          </a:p>
+          <a:p>
+            <a:pPr>
+              <a:buFont typeface="Wingdings" panose="05000000000000000000" pitchFamily="2" charset="2"/>
+              <a:buChar char="Ø"/>
+            </a:pPr>
+            <a:r>
+              <a:rPr lang="bg-BG" dirty="0" smtClean="0"/>
+              <a:t>Има честота, всичките ядра работят на тази честота</a:t>
+            </a:r>
+          </a:p>
+          <a:p>
+            <a:pPr>
+              <a:buFont typeface="Wingdings" panose="05000000000000000000" pitchFamily="2" charset="2"/>
+              <a:buChar char="Ø"/>
+            </a:pPr>
+            <a:r>
+              <a:rPr lang="bg-BG" dirty="0" smtClean="0"/>
+              <a:t>Има достъп до </a:t>
             </a:r>
             <a:r>
               <a:rPr lang="en-US" dirty="0" smtClean="0"/>
-              <a:t> </a:t>
-            </a:r>
-            <a:r>
-              <a:rPr lang="en-US" dirty="0" err="1" smtClean="0"/>
-              <a:t>sluji</a:t>
+              <a:t>RAM/ROM </a:t>
+            </a:r>
+            <a:r>
+              <a:rPr lang="bg-BG" dirty="0" smtClean="0"/>
+              <a:t>паметта.</a:t>
+            </a:r>
+          </a:p>
+          <a:p>
+            <a:pPr>
+              <a:buFont typeface="Wingdings" panose="05000000000000000000" pitchFamily="2" charset="2"/>
+              <a:buChar char="Ø"/>
+            </a:pPr>
+            <a:r>
+              <a:rPr lang="bg-BG" dirty="0" smtClean="0"/>
+              <a:t>Има </a:t>
             </a:r>
             <a:r>
               <a:rPr lang="en-US" dirty="0" smtClean="0"/>
-              <a:t> </a:t>
-            </a:r>
-            <a:r>
-              <a:rPr lang="en-US" dirty="0" err="1" smtClean="0"/>
-              <a:t>za</a:t>
+              <a:t>socket</a:t>
+            </a:r>
+            <a:r>
+              <a:rPr lang="bg-BG" dirty="0" smtClean="0"/>
+              <a:t> с който се свързва с дъното</a:t>
+            </a:r>
+            <a:r>
+              <a:rPr lang="bg-BG" dirty="0" smtClean="0"/>
+              <a:t>.</a:t>
+            </a:r>
+            <a:endParaRPr lang="en-US" dirty="0" smtClean="0"/>
+          </a:p>
+          <a:p>
+            <a:pPr>
+              <a:buFont typeface="Wingdings" panose="05000000000000000000" pitchFamily="2" charset="2"/>
+              <a:buChar char="Ø"/>
+            </a:pPr>
+            <a:r>
+              <a:rPr lang="bg-BG" dirty="0" smtClean="0"/>
+              <a:t>Главните производители (за </a:t>
             </a:r>
             <a:r>
               <a:rPr lang="en-US" dirty="0" smtClean="0"/>
-              <a:t> </a:t>
-            </a:r>
-          </a:p>
-          <a:p>
-            <a:r>
-              <a:rPr lang="en-US" dirty="0" err="1" smtClean="0"/>
-              <a:t>asdfa</a:t>
-            </a:r>
-            <a:endParaRPr lang="en-US" dirty="0"/>
-          </a:p>
-        </p:txBody>
-      </p:sp>
+              <a:t>PC</a:t>
+            </a:r>
+            <a:r>
+              <a:rPr lang="bg-BG" dirty="0" smtClean="0"/>
+              <a:t>) са </a:t>
+            </a:r>
+            <a:r>
+              <a:rPr lang="en-US" dirty="0" smtClean="0"/>
+              <a:t>Intel </a:t>
+            </a:r>
+            <a:r>
+              <a:rPr lang="bg-BG" dirty="0" smtClean="0"/>
+              <a:t>и </a:t>
+            </a:r>
+          </a:p>
+          <a:p>
+            <a:pPr marL="0" indent="0">
+              <a:buNone/>
+            </a:pPr>
+            <a:r>
+              <a:rPr lang="en-US" dirty="0" smtClean="0"/>
+              <a:t>AMD.</a:t>
+            </a:r>
+            <a:endParaRPr lang="en-US" dirty="0"/>
+          </a:p>
+        </p:txBody>
+      </p:sp>
+      <p:pic>
+        <p:nvPicPr>
+          <p:cNvPr id="4" name="Picture 3"/>
+          <p:cNvPicPr>
+            <a:picLocks noChangeAspect="1"/>
+          </p:cNvPicPr>
+          <p:nvPr/>
+        </p:nvPicPr>
+        <p:blipFill>
+          <a:blip r:embed="rId2">
+            <a:extLst>
+              <a:ext uri="{28A0092B-C50C-407E-A947-70E740481C1C}">
+                <a14:useLocalDpi xmlns:a14="http://schemas.microsoft.com/office/drawing/2010/main" val="0"/>
+              </a:ext>
+            </a:extLst>
+          </a:blip>
+          <a:stretch>
+            <a:fillRect/>
+          </a:stretch>
+        </p:blipFill>
+        <p:spPr>
+          <a:xfrm>
+            <a:off x="6947754" y="3387007"/>
+            <a:ext cx="4616684" cy="3061062"/>
+          </a:xfrm>
+          <a:prstGeom prst="rect">
+            <a:avLst/>
+          </a:prstGeom>
+        </p:spPr>
+      </p:pic>
     </p:spTree>
     <p:extLst>
       <p:ext uri="{BB962C8B-B14F-4D97-AF65-F5344CB8AC3E}">
